--- a/UI_code/tutorial_images/first_slide.pptx
+++ b/UI_code/tutorial_images/first_slide.pptx
@@ -117,6 +117,11 @@
       </a:defRPr>
     </a:lvl9pPr>
   </p:defaultTextStyle>
+  <p:extLst>
+    <p:ext uri="{EFAFB233-063F-42B5-8137-9DF3F51BA10A}">
+      <p15:sldGuideLst xmlns:p15="http://schemas.microsoft.com/office/powerpoint/2012/main"/>
+    </p:ext>
+  </p:extLst>
 </p:presentation>
 </file>
 
@@ -202,7 +207,7 @@
           <a:p>
             <a:fld id="{BD665606-A925-1B4B-8735-D891F5280470}" type="datetimeFigureOut">
               <a:rPr lang="en-US" smtClean="0"/>
-              <a:t>11/5/17</a:t>
+              <a:t>11/13/17</a:t>
             </a:fld>
             <a:endParaRPr lang="en-US"/>
           </a:p>
@@ -601,7 +606,7 @@
           <a:p>
             <a:fld id="{24248E80-5EDC-F745-AD2A-3084312BFBBB}" type="datetimeFigureOut">
               <a:rPr lang="en-US" smtClean="0"/>
-              <a:t>11/5/17</a:t>
+              <a:t>11/13/17</a:t>
             </a:fld>
             <a:endParaRPr lang="en-US"/>
           </a:p>
@@ -771,7 +776,7 @@
           <a:p>
             <a:fld id="{24248E80-5EDC-F745-AD2A-3084312BFBBB}" type="datetimeFigureOut">
               <a:rPr lang="en-US" smtClean="0"/>
-              <a:t>11/5/17</a:t>
+              <a:t>11/13/17</a:t>
             </a:fld>
             <a:endParaRPr lang="en-US"/>
           </a:p>
@@ -951,7 +956,7 @@
           <a:p>
             <a:fld id="{24248E80-5EDC-F745-AD2A-3084312BFBBB}" type="datetimeFigureOut">
               <a:rPr lang="en-US" smtClean="0"/>
-              <a:t>11/5/17</a:t>
+              <a:t>11/13/17</a:t>
             </a:fld>
             <a:endParaRPr lang="en-US"/>
           </a:p>
@@ -1121,7 +1126,7 @@
           <a:p>
             <a:fld id="{24248E80-5EDC-F745-AD2A-3084312BFBBB}" type="datetimeFigureOut">
               <a:rPr lang="en-US" smtClean="0"/>
-              <a:t>11/5/17</a:t>
+              <a:t>11/13/17</a:t>
             </a:fld>
             <a:endParaRPr lang="en-US"/>
           </a:p>
@@ -1367,7 +1372,7 @@
           <a:p>
             <a:fld id="{24248E80-5EDC-F745-AD2A-3084312BFBBB}" type="datetimeFigureOut">
               <a:rPr lang="en-US" smtClean="0"/>
-              <a:t>11/5/17</a:t>
+              <a:t>11/13/17</a:t>
             </a:fld>
             <a:endParaRPr lang="en-US"/>
           </a:p>
@@ -1599,7 +1604,7 @@
           <a:p>
             <a:fld id="{24248E80-5EDC-F745-AD2A-3084312BFBBB}" type="datetimeFigureOut">
               <a:rPr lang="en-US" smtClean="0"/>
-              <a:t>11/5/17</a:t>
+              <a:t>11/13/17</a:t>
             </a:fld>
             <a:endParaRPr lang="en-US"/>
           </a:p>
@@ -1966,7 +1971,7 @@
           <a:p>
             <a:fld id="{24248E80-5EDC-F745-AD2A-3084312BFBBB}" type="datetimeFigureOut">
               <a:rPr lang="en-US" smtClean="0"/>
-              <a:t>11/5/17</a:t>
+              <a:t>11/13/17</a:t>
             </a:fld>
             <a:endParaRPr lang="en-US"/>
           </a:p>
@@ -2084,7 +2089,7 @@
           <a:p>
             <a:fld id="{24248E80-5EDC-F745-AD2A-3084312BFBBB}" type="datetimeFigureOut">
               <a:rPr lang="en-US" smtClean="0"/>
-              <a:t>11/5/17</a:t>
+              <a:t>11/13/17</a:t>
             </a:fld>
             <a:endParaRPr lang="en-US"/>
           </a:p>
@@ -2179,7 +2184,7 @@
           <a:p>
             <a:fld id="{24248E80-5EDC-F745-AD2A-3084312BFBBB}" type="datetimeFigureOut">
               <a:rPr lang="en-US" smtClean="0"/>
-              <a:t>11/5/17</a:t>
+              <a:t>11/13/17</a:t>
             </a:fld>
             <a:endParaRPr lang="en-US"/>
           </a:p>
@@ -2456,7 +2461,7 @@
           <a:p>
             <a:fld id="{24248E80-5EDC-F745-AD2A-3084312BFBBB}" type="datetimeFigureOut">
               <a:rPr lang="en-US" smtClean="0"/>
-              <a:t>11/5/17</a:t>
+              <a:t>11/13/17</a:t>
             </a:fld>
             <a:endParaRPr lang="en-US"/>
           </a:p>
@@ -2709,7 +2714,7 @@
           <a:p>
             <a:fld id="{24248E80-5EDC-F745-AD2A-3084312BFBBB}" type="datetimeFigureOut">
               <a:rPr lang="en-US" smtClean="0"/>
-              <a:t>11/5/17</a:t>
+              <a:t>11/13/17</a:t>
             </a:fld>
             <a:endParaRPr lang="en-US"/>
           </a:p>
@@ -2922,7 +2927,7 @@
           <a:p>
             <a:fld id="{24248E80-5EDC-F745-AD2A-3084312BFBBB}" type="datetimeFigureOut">
               <a:rPr lang="en-US" smtClean="0"/>
-              <a:t>11/5/17</a:t>
+              <a:t>11/13/17</a:t>
             </a:fld>
             <a:endParaRPr lang="en-US"/>
           </a:p>
@@ -3792,13 +3797,21 @@
         <p:spPr/>
         <p:txBody>
           <a:bodyPr>
-            <a:normAutofit fontScale="90000"/>
+            <a:normAutofit/>
           </a:bodyPr>
           <a:lstStyle/>
           <a:p>
             <a:r>
               <a:rPr lang="en-US" dirty="0" smtClean="0"/>
-              <a:t>Please take note of the control around your right foot.</a:t>
+              <a:t>Please take note of the control around your </a:t>
+            </a:r>
+            <a:r>
+              <a:rPr lang="en-US" dirty="0" smtClean="0"/>
+              <a:t>left foot</a:t>
+            </a:r>
+            <a:r>
+              <a:rPr lang="en-US" dirty="0" smtClean="0"/>
+              <a:t>.</a:t>
             </a:r>
             <a:endParaRPr lang="en-US" dirty="0"/>
           </a:p>
@@ -4013,6 +4026,41 @@
           </a:p>
         </p:txBody>
       </p:sp>
+      <p:pic>
+        <p:nvPicPr>
+          <p:cNvPr id="4" name="Picture 3"/>
+          <p:cNvPicPr>
+            <a:picLocks noChangeAspect="1"/>
+          </p:cNvPicPr>
+          <p:nvPr/>
+        </p:nvPicPr>
+        <p:blipFill>
+          <a:blip r:embed="rId2">
+            <a:extLst>
+              <a:ext uri="{28A0092B-C50C-407E-A947-70E740481C1C}">
+                <a14:useLocalDpi xmlns:a14="http://schemas.microsoft.com/office/drawing/2010/main" val="0"/>
+              </a:ext>
+            </a:extLst>
+          </a:blip>
+          <a:stretch>
+            <a:fillRect/>
+          </a:stretch>
+        </p:blipFill>
+        <p:spPr>
+          <a:xfrm>
+            <a:off x="2354020" y="1341912"/>
+            <a:ext cx="7483959" cy="4444497"/>
+          </a:xfrm>
+          <a:prstGeom prst="rect">
+            <a:avLst/>
+          </a:prstGeom>
+          <a:ln>
+            <a:solidFill>
+              <a:schemeClr val="tx1"/>
+            </a:solidFill>
+          </a:ln>
+        </p:spPr>
+      </p:pic>
     </p:spTree>
     <p:extLst>
       <p:ext uri="{BB962C8B-B14F-4D97-AF65-F5344CB8AC3E}">
@@ -4344,6 +4392,41 @@
           </a:p>
         </p:txBody>
       </p:sp>
+      <p:pic>
+        <p:nvPicPr>
+          <p:cNvPr id="4" name="Picture 3"/>
+          <p:cNvPicPr>
+            <a:picLocks noChangeAspect="1"/>
+          </p:cNvPicPr>
+          <p:nvPr/>
+        </p:nvPicPr>
+        <p:blipFill>
+          <a:blip r:embed="rId2">
+            <a:extLst>
+              <a:ext uri="{28A0092B-C50C-407E-A947-70E740481C1C}">
+                <a14:useLocalDpi xmlns:a14="http://schemas.microsoft.com/office/drawing/2010/main" val="0"/>
+              </a:ext>
+            </a:extLst>
+          </a:blip>
+          <a:stretch>
+            <a:fillRect/>
+          </a:stretch>
+        </p:blipFill>
+        <p:spPr>
+          <a:xfrm>
+            <a:off x="3061745" y="1341912"/>
+            <a:ext cx="6068510" cy="4352508"/>
+          </a:xfrm>
+          <a:prstGeom prst="rect">
+            <a:avLst/>
+          </a:prstGeom>
+          <a:ln>
+            <a:solidFill>
+              <a:schemeClr val="tx1"/>
+            </a:solidFill>
+          </a:ln>
+        </p:spPr>
+      </p:pic>
     </p:spTree>
     <p:extLst>
       <p:ext uri="{BB962C8B-B14F-4D97-AF65-F5344CB8AC3E}">
